--- a/Angular/Angular notes/Services in Angular.pptx
+++ b/Angular/Angular notes/Services in Angular.pptx
@@ -243,7 +243,7 @@
           <a:p>
             <a:fld id="{89BC4859-1FA1-4BBB-9ED5-31F83AFEBD5F}" type="datetimeFigureOut">
               <a:rPr lang="en-US" smtClean="0"/>
-              <a:t>8/26/2020</a:t>
+              <a:t>9/16/2020</a:t>
             </a:fld>
             <a:endParaRPr lang="en-US"/>
           </a:p>
@@ -413,7 +413,7 @@
           <a:p>
             <a:fld id="{89BC4859-1FA1-4BBB-9ED5-31F83AFEBD5F}" type="datetimeFigureOut">
               <a:rPr lang="en-US" smtClean="0"/>
-              <a:t>8/26/2020</a:t>
+              <a:t>9/16/2020</a:t>
             </a:fld>
             <a:endParaRPr lang="en-US"/>
           </a:p>
@@ -593,7 +593,7 @@
           <a:p>
             <a:fld id="{89BC4859-1FA1-4BBB-9ED5-31F83AFEBD5F}" type="datetimeFigureOut">
               <a:rPr lang="en-US" smtClean="0"/>
-              <a:t>8/26/2020</a:t>
+              <a:t>9/16/2020</a:t>
             </a:fld>
             <a:endParaRPr lang="en-US"/>
           </a:p>
@@ -763,7 +763,7 @@
           <a:p>
             <a:fld id="{89BC4859-1FA1-4BBB-9ED5-31F83AFEBD5F}" type="datetimeFigureOut">
               <a:rPr lang="en-US" smtClean="0"/>
-              <a:t>8/26/2020</a:t>
+              <a:t>9/16/2020</a:t>
             </a:fld>
             <a:endParaRPr lang="en-US"/>
           </a:p>
@@ -1009,7 +1009,7 @@
           <a:p>
             <a:fld id="{89BC4859-1FA1-4BBB-9ED5-31F83AFEBD5F}" type="datetimeFigureOut">
               <a:rPr lang="en-US" smtClean="0"/>
-              <a:t>8/26/2020</a:t>
+              <a:t>9/16/2020</a:t>
             </a:fld>
             <a:endParaRPr lang="en-US"/>
           </a:p>
@@ -1241,7 +1241,7 @@
           <a:p>
             <a:fld id="{89BC4859-1FA1-4BBB-9ED5-31F83AFEBD5F}" type="datetimeFigureOut">
               <a:rPr lang="en-US" smtClean="0"/>
-              <a:t>8/26/2020</a:t>
+              <a:t>9/16/2020</a:t>
             </a:fld>
             <a:endParaRPr lang="en-US"/>
           </a:p>
@@ -1608,7 +1608,7 @@
           <a:p>
             <a:fld id="{89BC4859-1FA1-4BBB-9ED5-31F83AFEBD5F}" type="datetimeFigureOut">
               <a:rPr lang="en-US" smtClean="0"/>
-              <a:t>8/26/2020</a:t>
+              <a:t>9/16/2020</a:t>
             </a:fld>
             <a:endParaRPr lang="en-US"/>
           </a:p>
@@ -1726,7 +1726,7 @@
           <a:p>
             <a:fld id="{89BC4859-1FA1-4BBB-9ED5-31F83AFEBD5F}" type="datetimeFigureOut">
               <a:rPr lang="en-US" smtClean="0"/>
-              <a:t>8/26/2020</a:t>
+              <a:t>9/16/2020</a:t>
             </a:fld>
             <a:endParaRPr lang="en-US"/>
           </a:p>
@@ -1821,7 +1821,7 @@
           <a:p>
             <a:fld id="{89BC4859-1FA1-4BBB-9ED5-31F83AFEBD5F}" type="datetimeFigureOut">
               <a:rPr lang="en-US" smtClean="0"/>
-              <a:t>8/26/2020</a:t>
+              <a:t>9/16/2020</a:t>
             </a:fld>
             <a:endParaRPr lang="en-US"/>
           </a:p>
@@ -2098,7 +2098,7 @@
           <a:p>
             <a:fld id="{89BC4859-1FA1-4BBB-9ED5-31F83AFEBD5F}" type="datetimeFigureOut">
               <a:rPr lang="en-US" smtClean="0"/>
-              <a:t>8/26/2020</a:t>
+              <a:t>9/16/2020</a:t>
             </a:fld>
             <a:endParaRPr lang="en-US"/>
           </a:p>
@@ -2351,7 +2351,7 @@
           <a:p>
             <a:fld id="{89BC4859-1FA1-4BBB-9ED5-31F83AFEBD5F}" type="datetimeFigureOut">
               <a:rPr lang="en-US" smtClean="0"/>
-              <a:t>8/26/2020</a:t>
+              <a:t>9/16/2020</a:t>
             </a:fld>
             <a:endParaRPr lang="en-US"/>
           </a:p>
@@ -2564,7 +2564,7 @@
           <a:p>
             <a:fld id="{89BC4859-1FA1-4BBB-9ED5-31F83AFEBD5F}" type="datetimeFigureOut">
               <a:rPr lang="en-US" smtClean="0"/>
-              <a:t>8/26/2020</a:t>
+              <a:t>9/16/2020</a:t>
             </a:fld>
             <a:endParaRPr lang="en-US"/>
           </a:p>
@@ -3604,6 +3604,70 @@
           </a:prstGeom>
         </p:spPr>
       </p:pic>
+      <p:pic>
+        <p:nvPicPr>
+          <p:cNvPr id="1026" name="Picture 2"/>
+          <p:cNvPicPr>
+            <a:picLocks noChangeAspect="1" noChangeArrowheads="1"/>
+          </p:cNvPicPr>
+          <p:nvPr/>
+        </p:nvPicPr>
+        <p:blipFill>
+          <a:blip r:embed="rId4">
+            <a:extLst>
+              <a:ext uri="{28A0092B-C50C-407E-A947-70E740481C1C}">
+                <a14:useLocalDpi xmlns:a14="http://schemas.microsoft.com/office/drawing/2010/main" val="0"/>
+              </a:ext>
+            </a:extLst>
+          </a:blip>
+          <a:srcRect/>
+          <a:stretch>
+            <a:fillRect/>
+          </a:stretch>
+        </p:blipFill>
+        <p:spPr bwMode="auto">
+          <a:xfrm>
+            <a:off x="738188" y="4333875"/>
+            <a:ext cx="3571875" cy="2524125"/>
+          </a:xfrm>
+          <a:prstGeom prst="rect">
+            <a:avLst/>
+          </a:prstGeom>
+          <a:noFill/>
+          <a:ln>
+            <a:noFill/>
+          </a:ln>
+          <a:effectLst/>
+          <a:extLst>
+            <a:ext uri="{909E8E84-426E-40DD-AFC4-6F175D3DCCD1}">
+              <a14:hiddenFill xmlns:a14="http://schemas.microsoft.com/office/drawing/2010/main">
+                <a:solidFill>
+                  <a:schemeClr val="accent1"/>
+                </a:solidFill>
+              </a14:hiddenFill>
+            </a:ext>
+            <a:ext uri="{91240B29-F687-4F45-9708-019B960494DF}">
+              <a14:hiddenLine xmlns:a14="http://schemas.microsoft.com/office/drawing/2010/main" w="9525">
+                <a:solidFill>
+                  <a:schemeClr val="tx1"/>
+                </a:solidFill>
+                <a:miter lim="800000"/>
+                <a:headEnd/>
+                <a:tailEnd/>
+              </a14:hiddenLine>
+            </a:ext>
+            <a:ext uri="{AF507438-7753-43E0-B8FC-AC1667EBCBE1}">
+              <a14:hiddenEffects xmlns:a14="http://schemas.microsoft.com/office/drawing/2010/main">
+                <a:effectLst>
+                  <a:outerShdw dist="35921" dir="2700000" algn="ctr" rotWithShape="0">
+                    <a:schemeClr val="bg2"/>
+                  </a:outerShdw>
+                </a:effectLst>
+              </a14:hiddenEffects>
+            </a:ext>
+          </a:extLst>
+        </p:spPr>
+      </p:pic>
     </p:spTree>
     <p:extLst>
       <p:ext uri="{BB962C8B-B14F-4D97-AF65-F5344CB8AC3E}">
@@ -3876,7 +3940,7 @@
     </a:clrScheme>
     <a:fontScheme name="Office">
       <a:majorFont>
-        <a:latin typeface="Calibri Light" panose="020F0302020204030204"/>
+        <a:latin typeface="Calibri Light"/>
         <a:ea typeface=""/>
         <a:cs typeface=""/>
         <a:font script="Jpan" typeface="游ゴシック Light"/>
@@ -3911,7 +3975,7 @@
         <a:font script="Geor" typeface="Sylfaen"/>
       </a:majorFont>
       <a:minorFont>
-        <a:latin typeface="Calibri" panose="020F0502020204030204"/>
+        <a:latin typeface="Calibri"/>
         <a:ea typeface=""/>
         <a:cs typeface=""/>
         <a:font script="Jpan" typeface="游ゴシック"/>
@@ -4088,7 +4152,7 @@
   <a:extraClrSchemeLst/>
   <a:extLst>
     <a:ext uri="{05A4C25C-085E-4340-85A3-A5531E510DB2}">
-      <thm15:themeFamily xmlns:thm15="http://schemas.microsoft.com/office/thememl/2012/main" name="Office Theme" id="{62F939B6-93AF-4DB8-9C6B-D6C7DFDC589F}" vid="{4A3C46E8-61CC-4603-A589-7422A47A8E4A}"/>
+      <thm15:themeFamily xmlns:thm15="http://schemas.microsoft.com/office/thememl/2012/main" xmlns="" name="Office Theme" id="{62F939B6-93AF-4DB8-9C6B-D6C7DFDC589F}" vid="{4A3C46E8-61CC-4603-A589-7422A47A8E4A}"/>
     </a:ext>
   </a:extLst>
 </a:theme>
